--- a/Project Progress.pptx
+++ b/Project Progress.pptx
@@ -5726,6 +5726,91 @@
       </p:grpSpPr>
       <p:sp>
         <p:nvSpPr>
+          <p:cNvPr id="4" name="Text Placeholder 3">
+            <a:extLst>
+              <a:ext uri="{FF2B5EF4-FFF2-40B4-BE49-F238E27FC236}">
+                <a16:creationId xmlns:a16="http://schemas.microsoft.com/office/drawing/2014/main" id="{7EAA1080-AE5E-4D94-9CBE-E3A2F19DA30C}"/>
+              </a:ext>
+            </a:extLst>
+          </p:cNvPr>
+          <p:cNvSpPr>
+            <a:spLocks noGrp="1"/>
+          </p:cNvSpPr>
+          <p:nvPr>
+            <p:ph type="body"/>
+          </p:nvPr>
+        </p:nvSpPr>
+        <p:spPr/>
+        <p:txBody>
+          <a:bodyPr/>
+          <a:lstStyle/>
+          <a:p>
+            <a:r>
+              <a:rPr lang="en-US" dirty="0"/>
+              <a:t>Finished converting </a:t>
+            </a:r>
+            <a:r>
+              <a:rPr lang="en-US" dirty="0" err="1"/>
+              <a:t>Matlab</a:t>
+            </a:r>
+            <a:r>
+              <a:rPr lang="en-US" dirty="0"/>
+              <a:t> code to Python</a:t>
+            </a:r>
+          </a:p>
+          <a:p>
+            <a:pPr lvl="1"/>
+            <a:r>
+              <a:rPr lang="en-US" dirty="0"/>
+              <a:t>Traffic generation, collision detection, </a:t>
+            </a:r>
+            <a:r>
+              <a:rPr lang="en-US"/>
+              <a:t>car management</a:t>
+            </a:r>
+            <a:endParaRPr lang="en-US" dirty="0"/>
+          </a:p>
+          <a:p>
+            <a:pPr lvl="1"/>
+            <a:r>
+              <a:rPr lang="en-US" dirty="0"/>
+              <a:t>Challenges: Code was not robust and needed to be redesigned more than we expected</a:t>
+            </a:r>
+          </a:p>
+          <a:p>
+            <a:r>
+              <a:rPr lang="en-US" dirty="0"/>
+              <a:t>Developed simple visualization for testing</a:t>
+            </a:r>
+          </a:p>
+          <a:p>
+            <a:r>
+              <a:rPr lang="en-US" dirty="0"/>
+              <a:t>Implemented </a:t>
+            </a:r>
+            <a:r>
+              <a:rPr lang="en-US" dirty="0" err="1"/>
+              <a:t>Dresner</a:t>
+            </a:r>
+            <a:r>
+              <a:rPr lang="en-US" dirty="0"/>
+              <a:t>/Stone and stop sign policies.</a:t>
+            </a:r>
+          </a:p>
+          <a:p>
+            <a:pPr lvl="1"/>
+            <a:r>
+              <a:rPr lang="en-US" dirty="0"/>
+              <a:t>Challenges: More advanced traffic light policy has taken more time to formulate</a:t>
+            </a:r>
+          </a:p>
+          <a:p>
+            <a:endParaRPr lang="en-US" dirty="0"/>
+          </a:p>
+        </p:txBody>
+      </p:sp>
+      <p:sp>
+        <p:nvSpPr>
           <p:cNvPr id="2" name="Title 1">
             <a:extLst>
               <a:ext uri="{FF2B5EF4-FFF2-40B4-BE49-F238E27FC236}">
@@ -5749,31 +5834,6 @@
               <a:rPr lang="en-US" dirty="0"/>
               <a:t>Progress &amp; Challenges</a:t>
             </a:r>
-          </a:p>
-        </p:txBody>
-      </p:sp>
-      <p:sp>
-        <p:nvSpPr>
-          <p:cNvPr id="3" name="Subtitle 2">
-            <a:extLst>
-              <a:ext uri="{FF2B5EF4-FFF2-40B4-BE49-F238E27FC236}">
-                <a16:creationId xmlns:a16="http://schemas.microsoft.com/office/drawing/2014/main" id="{C0B0AB04-DE71-4648-BEE7-A41692F2B694}"/>
-              </a:ext>
-            </a:extLst>
-          </p:cNvPr>
-          <p:cNvSpPr>
-            <a:spLocks noGrp="1"/>
-          </p:cNvSpPr>
-          <p:nvPr>
-            <p:ph type="subTitle"/>
-          </p:nvPr>
-        </p:nvSpPr>
-        <p:spPr/>
-        <p:txBody>
-          <a:bodyPr/>
-          <a:lstStyle/>
-          <a:p>
-            <a:endParaRPr lang="en-US"/>
           </a:p>
         </p:txBody>
       </p:sp>

--- a/Project Progress.pptx
+++ b/Project Progress.pptx
@@ -6204,7 +6204,7 @@
     <p:bg>
       <p:bgPr>
         <a:solidFill>
-          <a:srgbClr val="FFFFFF"/>
+          <a:schemeClr val="bg1"/>
         </a:solidFill>
         <a:effectLst/>
       </p:bgPr>
@@ -6223,104 +6223,38 @@
           <a:chExt cx="0" cy="0"/>
         </a:xfrm>
       </p:grpSpPr>
-      <p:sp>
-        <p:nvSpPr>
-          <p:cNvPr id="92" name="CustomShape 1"/>
-          <p:cNvSpPr/>
-          <p:nvPr/>
-        </p:nvSpPr>
-        <p:spPr>
-          <a:xfrm>
-            <a:off x="9488160" y="5568120"/>
-            <a:ext cx="2637720" cy="395280"/>
-          </a:xfrm>
-          <a:prstGeom prst="rect">
-            <a:avLst/>
-          </a:prstGeom>
-          <a:noFill/>
-          <a:ln>
-            <a:noFill/>
-          </a:ln>
-        </p:spPr>
-        <p:style>
-          <a:lnRef idx="0">
-            <a:scrgbClr r="0" g="0" b="0"/>
-          </a:lnRef>
-          <a:fillRef idx="0">
-            <a:scrgbClr r="0" g="0" b="0"/>
-          </a:fillRef>
-          <a:effectRef idx="0">
-            <a:scrgbClr r="0" g="0" b="0"/>
-          </a:effectRef>
-          <a:fontRef idx="minor"/>
-        </p:style>
-        <p:txBody>
-          <a:bodyPr wrap="none" lIns="90000" tIns="45000" rIns="90000" bIns="45000"/>
-          <a:lstStyle/>
-          <a:p>
-            <a:pPr>
-              <a:lnSpc>
-                <a:spcPct val="100000"/>
-              </a:lnSpc>
-            </a:pPr>
-            <a:r>
-              <a:rPr lang="en-US" sz="2000" b="0" strike="noStrike" spc="-1">
-                <a:solidFill>
-                  <a:srgbClr val="000000"/>
-                </a:solidFill>
-                <a:uFill>
-                  <a:solidFill>
-                    <a:srgbClr val="FFFFFF"/>
-                  </a:solidFill>
-                </a:uFill>
-                <a:latin typeface="Andalus"/>
-              </a:rPr>
-              <a:t>Intersection Layout</a:t>
-            </a:r>
-            <a:endParaRPr lang="en-US" sz="1800" b="0" strike="noStrike" spc="-1">
-              <a:solidFill>
-                <a:srgbClr val="000000"/>
-              </a:solidFill>
-              <a:uFill>
-                <a:solidFill>
-                  <a:srgbClr val="FFFFFF"/>
-                </a:solidFill>
-              </a:uFill>
-              <a:latin typeface="Arial"/>
-            </a:endParaRPr>
-          </a:p>
-        </p:txBody>
-      </p:sp>
       <p:pic>
         <p:nvPicPr>
-          <p:cNvPr id="3" name="Picture 2" descr="A close up of a map&#10;&#10;Description automatically generated">
+          <p:cNvPr id="2" name="simple_ca_example" descr="A screenshot of a social media post&#10;&#10;Description automatically generated">
+            <a:hlinkClick r:id="" action="ppaction://media"/>
             <a:extLst>
               <a:ext uri="{FF2B5EF4-FFF2-40B4-BE49-F238E27FC236}">
-                <a16:creationId xmlns:a16="http://schemas.microsoft.com/office/drawing/2014/main" id="{B240B35A-4434-4CF1-AE85-7073BB3B0ABF}"/>
+                <a16:creationId xmlns:a16="http://schemas.microsoft.com/office/drawing/2014/main" id="{9F4C0676-06DD-4E9E-A13B-20474599F15D}"/>
               </a:ext>
             </a:extLst>
           </p:cNvPr>
           <p:cNvPicPr>
             <a:picLocks noChangeAspect="1"/>
           </p:cNvPicPr>
-          <p:nvPr/>
+          <p:nvPr>
+            <a:videoFile r:link="rId2"/>
+            <p:extLst>
+              <p:ext uri="{DAA4B4D4-6D71-4841-9C94-3DE7FCFB9230}">
+                <p14:media xmlns:p14="http://schemas.microsoft.com/office/powerpoint/2010/main" r:embed="rId1"/>
+              </p:ext>
+            </p:extLst>
+          </p:nvPr>
         </p:nvPicPr>
         <p:blipFill>
-          <a:blip r:embed="rId2">
-            <a:extLst>
-              <a:ext uri="{28A0092B-C50C-407E-A947-70E740481C1C}">
-                <a14:useLocalDpi xmlns:a14="http://schemas.microsoft.com/office/drawing/2010/main" val="0"/>
-              </a:ext>
-            </a:extLst>
-          </a:blip>
+          <a:blip r:embed="rId4"/>
           <a:stretch>
             <a:fillRect/>
           </a:stretch>
         </p:blipFill>
         <p:spPr>
           <a:xfrm>
-            <a:off x="2667000" y="0"/>
-            <a:ext cx="6858000" cy="6858000"/>
+            <a:off x="2789729" y="643466"/>
+            <a:ext cx="6612542" cy="5571067"/>
           </a:xfrm>
           <a:prstGeom prst="rect">
             <a:avLst/>
@@ -6338,7 +6272,45 @@
         <p:cTn id="1" dur="indefinite" restart="never" nodeType="tmRoot">
           <p:childTnLst>
             <p:seq>
-              <p:cTn id="2" nodeType="mainSeq"/>
+              <p:cTn id="2" nodeType="mainSeq">
+                <p:childTnLst>
+                  <p:par>
+                    <p:cTn id="3" fill="hold">
+                      <p:stCondLst>
+                        <p:cond delay="indefinite"/>
+                      </p:stCondLst>
+                      <p:childTnLst>
+                        <p:par>
+                          <p:cTn id="4" fill="hold">
+                            <p:stCondLst>
+                              <p:cond delay="0"/>
+                            </p:stCondLst>
+                            <p:childTnLst>
+                              <p:par>
+                                <p:cTn id="5" presetID="1" presetClass="mediacall" presetSubtype="0" fill="hold" nodeType="clickEffect">
+                                  <p:stCondLst>
+                                    <p:cond delay="0"/>
+                                  </p:stCondLst>
+                                  <p:childTnLst>
+                                    <p:cmd type="call" cmd="playFrom(0.0)">
+                                      <p:cBhvr>
+                                        <p:cTn id="6" dur="14478" fill="hold"/>
+                                        <p:tgtEl>
+                                          <p:spTgt spid="2"/>
+                                        </p:tgtEl>
+                                      </p:cBhvr>
+                                    </p:cmd>
+                                  </p:childTnLst>
+                                </p:cTn>
+                              </p:par>
+                            </p:childTnLst>
+                          </p:cTn>
+                        </p:par>
+                      </p:childTnLst>
+                    </p:cTn>
+                  </p:par>
+                </p:childTnLst>
+              </p:cTn>
               <p:prevCondLst>
                 <p:cond evt="onPrev" delay="0">
                   <p:tgtEl>
@@ -6350,6 +6322,76 @@
                 <p:cond evt="onNext" delay="0">
                   <p:tgtEl>
                     <p:sldTgt/>
+                  </p:tgtEl>
+                </p:cond>
+              </p:nextCondLst>
+            </p:seq>
+            <p:video>
+              <p:cMediaNode vol="80000">
+                <p:cTn id="7" fill="hold" display="0">
+                  <p:stCondLst>
+                    <p:cond delay="indefinite"/>
+                  </p:stCondLst>
+                </p:cTn>
+                <p:tgtEl>
+                  <p:spTgt spid="2"/>
+                </p:tgtEl>
+              </p:cMediaNode>
+            </p:video>
+            <p:seq concurrent="1" nextAc="seek">
+              <p:cTn id="8" restart="whenNotActive" fill="hold" evtFilter="cancelBubble" nodeType="interactiveSeq">
+                <p:stCondLst>
+                  <p:cond evt="onClick" delay="0">
+                    <p:tgtEl>
+                      <p:spTgt spid="2"/>
+                    </p:tgtEl>
+                  </p:cond>
+                </p:stCondLst>
+                <p:endSync evt="end" delay="0">
+                  <p:rtn val="all"/>
+                </p:endSync>
+                <p:childTnLst>
+                  <p:par>
+                    <p:cTn id="9" fill="hold">
+                      <p:stCondLst>
+                        <p:cond delay="0"/>
+                      </p:stCondLst>
+                      <p:childTnLst>
+                        <p:par>
+                          <p:cTn id="10" fill="hold">
+                            <p:stCondLst>
+                              <p:cond delay="0"/>
+                            </p:stCondLst>
+                            <p:childTnLst>
+                              <p:par>
+                                <p:cTn id="11" presetID="2" presetClass="mediacall" presetSubtype="0" fill="hold" nodeType="clickEffect">
+                                  <p:stCondLst>
+                                    <p:cond delay="0"/>
+                                  </p:stCondLst>
+                                  <p:childTnLst>
+                                    <p:cmd type="call" cmd="togglePause">
+                                      <p:cBhvr>
+                                        <p:cTn id="12" dur="1" fill="hold"/>
+                                        <p:tgtEl>
+                                          <p:spTgt spid="2"/>
+                                        </p:tgtEl>
+                                      </p:cBhvr>
+                                    </p:cmd>
+                                  </p:childTnLst>
+                                </p:cTn>
+                              </p:par>
+                            </p:childTnLst>
+                          </p:cTn>
+                        </p:par>
+                      </p:childTnLst>
+                    </p:cTn>
+                  </p:par>
+                </p:childTnLst>
+              </p:cTn>
+              <p:nextCondLst>
+                <p:cond evt="onClick" delay="0">
+                  <p:tgtEl>
+                    <p:spTgt spid="2"/>
                   </p:tgtEl>
                 </p:cond>
               </p:nextCondLst>

--- a/Project Progress.pptx
+++ b/Project Progress.pptx
@@ -11,9 +11,9 @@
   <p:sldIdLst>
     <p:sldId id="256" r:id="rId3"/>
     <p:sldId id="259" r:id="rId4"/>
-    <p:sldId id="262" r:id="rId5"/>
+    <p:sldId id="264" r:id="rId5"/>
     <p:sldId id="263" r:id="rId6"/>
-    <p:sldId id="260" r:id="rId7"/>
+    <p:sldId id="265" r:id="rId7"/>
   </p:sldIdLst>
   <p:sldSz cx="12192000" cy="6858000"/>
   <p:notesSz cx="6858000" cy="9144000"/>
@@ -5312,7 +5312,7 @@
         </p:nvSpPr>
         <p:spPr>
           <a:xfrm>
-            <a:off x="838080" y="365040"/>
+            <a:off x="466778" y="0"/>
             <a:ext cx="10515240" cy="1325160"/>
           </a:xfrm>
           <a:prstGeom prst="rect">
@@ -5368,7 +5368,7 @@
         </p:nvSpPr>
         <p:spPr>
           <a:xfrm>
-            <a:off x="838080" y="1825560"/>
+            <a:off x="466778" y="1584905"/>
             <a:ext cx="10515240" cy="4350960"/>
           </a:xfrm>
           <a:prstGeom prst="rect">
@@ -5394,7 +5394,7 @@
               <a:buChar char="•"/>
             </a:pPr>
             <a:r>
-              <a:rPr lang="en-US" sz="2800" b="0" strike="noStrike" spc="-1" dirty="0">
+              <a:rPr lang="en-US" sz="2800" spc="-1" dirty="0">
                 <a:solidFill>
                   <a:srgbClr val="000000"/>
                 </a:solidFill>
@@ -5405,14 +5405,11 @@
                 </a:uFill>
                 <a:latin typeface="Calibri"/>
               </a:rPr>
-              <a:t>4-way 3-dedicated-lane intersection with a centralized architecture </a:t>
+              <a:t>4-way 3-dedicated-lane intersection with a centralized architecture and minimum V2V communication.</a:t>
             </a:r>
           </a:p>
           <a:p>
             <a:pPr marL="228600" indent="-228240">
-              <a:lnSpc>
-                <a:spcPct val="90000"/>
-              </a:lnSpc>
               <a:buClr>
                 <a:srgbClr val="000000"/>
               </a:buClr>
@@ -5420,7 +5417,7 @@
               <a:buChar char="•"/>
             </a:pPr>
             <a:r>
-              <a:rPr lang="en-US" sz="2800" b="0" strike="noStrike" spc="-1" dirty="0">
+              <a:rPr lang="en-US" sz="2800" spc="-1" dirty="0">
                 <a:solidFill>
                   <a:srgbClr val="000000"/>
                 </a:solidFill>
@@ -5431,7 +5428,7 @@
                 </a:uFill>
                 <a:latin typeface="Calibri"/>
               </a:rPr>
-              <a:t>Keep the number of messages/communication V2V to a minimum, for scalability purposes and respecting each vehicle’s privacy </a:t>
+              <a:t>No communication failure, delay, or execution error</a:t>
             </a:r>
           </a:p>
           <a:p>
@@ -5446,7 +5443,7 @@
               <a:buChar char="•"/>
             </a:pPr>
             <a:r>
-              <a:rPr lang="en-US" sz="2800" b="0" strike="noStrike" spc="-1" dirty="0">
+              <a:rPr lang="en-US" sz="2800" spc="-1" dirty="0">
                 <a:solidFill>
                   <a:srgbClr val="000000"/>
                 </a:solidFill>
@@ -5457,13 +5454,13 @@
                 </a:uFill>
                 <a:latin typeface="Calibri"/>
               </a:rPr>
-              <a:t>Assumptions: </a:t>
+              <a:t>We are using ROS and RVIZ for visualization.</a:t>
             </a:r>
           </a:p>
           <a:p>
-            <a:pPr marL="685800" lvl="1" indent="-228240">
+            <a:pPr marL="228600" indent="-228240">
               <a:lnSpc>
-                <a:spcPct val="100000"/>
+                <a:spcPct val="90000"/>
               </a:lnSpc>
               <a:buClr>
                 <a:srgbClr val="000000"/>
@@ -5472,7 +5469,7 @@
               <a:buChar char="•"/>
             </a:pPr>
             <a:r>
-              <a:rPr lang="en-US" sz="2400" b="0" strike="noStrike" spc="-1" dirty="0">
+              <a:rPr lang="en-US" sz="2800" spc="-1" dirty="0">
                 <a:solidFill>
                   <a:srgbClr val="000000"/>
                 </a:solidFill>
@@ -5483,24 +5480,13 @@
                 </a:uFill>
                 <a:latin typeface="Calibri"/>
               </a:rPr>
-              <a:t>Fully autonomous vehicles (Tesla Model S), focusing less on Driver Agents and mostly on the arbiter/Intersection Manager</a:t>
+              <a:t>Schedule:</a:t>
             </a:r>
-            <a:endParaRPr lang="en-US" sz="2000" b="0" strike="noStrike" spc="-1" dirty="0">
-              <a:solidFill>
-                <a:srgbClr val="000000"/>
-              </a:solidFill>
-              <a:uFill>
-                <a:solidFill>
-                  <a:srgbClr val="FFFFFF"/>
-                </a:solidFill>
-              </a:uFill>
-              <a:latin typeface="Calibri"/>
-            </a:endParaRPr>
           </a:p>
           <a:p>
             <a:pPr marL="685800" lvl="1" indent="-228240">
               <a:lnSpc>
-                <a:spcPct val="100000"/>
+                <a:spcPct val="90000"/>
               </a:lnSpc>
               <a:buClr>
                 <a:srgbClr val="000000"/>
@@ -5509,7 +5495,7 @@
               <a:buChar char="•"/>
             </a:pPr>
             <a:r>
-              <a:rPr lang="en-US" sz="2400" b="0" strike="noStrike" spc="-1" dirty="0">
+              <a:rPr lang="en-US" sz="2800" spc="-1" dirty="0">
                 <a:solidFill>
                   <a:srgbClr val="000000"/>
                 </a:solidFill>
@@ -5520,33 +5506,10 @@
                 </a:uFill>
                 <a:latin typeface="Calibri"/>
               </a:rPr>
-              <a:t>No communication failure or delay</a:t>
+              <a:t>Revamped the AIM skeleton by Oct 9</a:t>
             </a:r>
-            <a:endParaRPr lang="en-US" sz="2000" b="0" strike="noStrike" spc="-1" dirty="0">
-              <a:solidFill>
-                <a:srgbClr val="000000"/>
-              </a:solidFill>
-              <a:uFill>
-                <a:solidFill>
-                  <a:srgbClr val="FFFFFF"/>
-                </a:solidFill>
-              </a:uFill>
-              <a:latin typeface="Calibri"/>
-            </a:endParaRPr>
-          </a:p>
-          <a:p>
-            <a:pPr marL="685800" lvl="1" indent="-228240">
-              <a:lnSpc>
-                <a:spcPct val="100000"/>
-              </a:lnSpc>
-              <a:buClr>
-                <a:srgbClr val="000000"/>
-              </a:buClr>
-              <a:buFont typeface="Arial"/>
-              <a:buChar char="•"/>
-            </a:pPr>
             <a:r>
-              <a:rPr lang="en-US" sz="2400" b="0" strike="noStrike" spc="-1" dirty="0">
+              <a:rPr lang="en-US" sz="2800" spc="-1" baseline="30000" dirty="0">
                 <a:solidFill>
                   <a:srgbClr val="000000"/>
                 </a:solidFill>
@@ -5557,9 +5520,9 @@
                 </a:uFill>
                 <a:latin typeface="Calibri"/>
               </a:rPr>
-              <a:t>No execution error</a:t>
+              <a:t>th</a:t>
             </a:r>
-            <a:endParaRPr lang="en-US" sz="2000" b="0" strike="noStrike" spc="-1" dirty="0">
+            <a:endParaRPr lang="en-US" sz="2800" spc="-1" dirty="0">
               <a:solidFill>
                 <a:srgbClr val="000000"/>
               </a:solidFill>
@@ -5574,7 +5537,7 @@
           <a:p>
             <a:pPr marL="685800" lvl="1" indent="-228240">
               <a:lnSpc>
-                <a:spcPct val="100000"/>
+                <a:spcPct val="90000"/>
               </a:lnSpc>
               <a:buClr>
                 <a:srgbClr val="000000"/>
@@ -5583,7 +5546,7 @@
               <a:buChar char="•"/>
             </a:pPr>
             <a:r>
-              <a:rPr lang="en-US" sz="2400" b="0" strike="noStrike" spc="-1" dirty="0">
+              <a:rPr lang="en-US" sz="2800" spc="-1" dirty="0">
                 <a:solidFill>
                   <a:srgbClr val="000000"/>
                 </a:solidFill>
@@ -5594,22 +5557,11 @@
                 </a:uFill>
                 <a:latin typeface="Calibri"/>
               </a:rPr>
-              <a:t>A high resource powerful computer system placed at the intersection powering the Intersection Manager (IM)</a:t>
+              <a:t>Convert MATLAB code into Python &amp; use ROS </a:t>
             </a:r>
-            <a:endParaRPr lang="en-US" sz="2000" b="0" strike="noStrike" spc="-1" dirty="0">
-              <a:solidFill>
-                <a:srgbClr val="000000"/>
-              </a:solidFill>
-              <a:uFill>
-                <a:solidFill>
-                  <a:srgbClr val="FFFFFF"/>
-                </a:solidFill>
-              </a:uFill>
-              <a:latin typeface="Calibri"/>
-            </a:endParaRPr>
-          </a:p>
-          <a:p>
-            <a:pPr marL="228600" indent="-228240">
+          </a:p>
+          <a:p>
+            <a:pPr marL="685800" lvl="1" indent="-228240">
               <a:lnSpc>
                 <a:spcPct val="90000"/>
               </a:lnSpc>
@@ -5620,7 +5572,7 @@
               <a:buChar char="•"/>
             </a:pPr>
             <a:r>
-              <a:rPr lang="en-US" sz="2800" b="0" strike="noStrike" spc="-1" dirty="0">
+              <a:rPr lang="en-US" sz="2800" spc="-1" dirty="0">
                 <a:solidFill>
                   <a:srgbClr val="000000"/>
                 </a:solidFill>
@@ -5631,16 +5583,77 @@
                 </a:uFill>
                 <a:latin typeface="Calibri"/>
               </a:rPr>
-              <a:t>To accomplish this we will use ROS, and a visualization software</a:t>
+              <a:t>Have the system back up running to its previous state by Oct 25</a:t>
             </a:r>
-          </a:p>
-          <a:p>
-            <a:pPr>
+            <a:r>
+              <a:rPr lang="en-US" sz="2800" spc="-1" baseline="30000" dirty="0">
+                <a:solidFill>
+                  <a:srgbClr val="000000"/>
+                </a:solidFill>
+                <a:uFill>
+                  <a:solidFill>
+                    <a:srgbClr val="FFFFFF"/>
+                  </a:solidFill>
+                </a:uFill>
+                <a:latin typeface="Calibri"/>
+              </a:rPr>
+              <a:t>th</a:t>
+            </a:r>
+            <a:r>
+              <a:rPr lang="en-US" sz="2800" spc="-1" dirty="0">
+                <a:solidFill>
+                  <a:srgbClr val="000000"/>
+                </a:solidFill>
+                <a:uFill>
+                  <a:solidFill>
+                    <a:srgbClr val="FFFFFF"/>
+                  </a:solidFill>
+                </a:uFill>
+                <a:latin typeface="Calibri"/>
+              </a:rPr>
+              <a:t> </a:t>
+            </a:r>
+          </a:p>
+          <a:p>
+            <a:pPr marL="685800" lvl="1" indent="-228240">
               <a:lnSpc>
                 <a:spcPct val="90000"/>
               </a:lnSpc>
+              <a:buClr>
+                <a:srgbClr val="000000"/>
+              </a:buClr>
+              <a:buFont typeface="Arial"/>
+              <a:buChar char="•"/>
             </a:pPr>
-            <a:endParaRPr lang="en-US" sz="2800" b="0" strike="noStrike" spc="-1" dirty="0">
+            <a:r>
+              <a:rPr lang="en-US" sz="2800" spc="-1" dirty="0">
+                <a:solidFill>
+                  <a:srgbClr val="000000"/>
+                </a:solidFill>
+                <a:uFill>
+                  <a:solidFill>
+                    <a:srgbClr val="FFFFFF"/>
+                  </a:solidFill>
+                </a:uFill>
+                <a:latin typeface="Calibri"/>
+              </a:rPr>
+              <a:t>Visualization &amp; Reservation system modes by last Friday Nov 1</a:t>
+            </a:r>
+            <a:r>
+              <a:rPr lang="en-US" sz="2800" spc="-1" baseline="30000" dirty="0">
+                <a:solidFill>
+                  <a:srgbClr val="000000"/>
+                </a:solidFill>
+                <a:uFill>
+                  <a:solidFill>
+                    <a:srgbClr val="FFFFFF"/>
+                  </a:solidFill>
+                </a:uFill>
+                <a:latin typeface="Calibri"/>
+              </a:rPr>
+              <a:t>st</a:t>
+            </a:r>
+            <a:endParaRPr lang="en-US" sz="2800" spc="-1" dirty="0">
               <a:solidFill>
                 <a:srgbClr val="000000"/>
               </a:solidFill>
@@ -5653,12 +5666,43 @@
             </a:endParaRPr>
           </a:p>
           <a:p>
-            <a:pPr>
+            <a:pPr marL="685800" lvl="1" indent="-228240">
               <a:lnSpc>
                 <a:spcPct val="90000"/>
               </a:lnSpc>
+              <a:buClr>
+                <a:srgbClr val="000000"/>
+              </a:buClr>
+              <a:buFont typeface="Arial"/>
+              <a:buChar char="•"/>
             </a:pPr>
-            <a:endParaRPr lang="en-US" sz="2800" b="0" strike="noStrike" spc="-1" dirty="0">
+            <a:r>
+              <a:rPr lang="en-US" sz="2800" spc="-1" dirty="0">
+                <a:solidFill>
+                  <a:srgbClr val="000000"/>
+                </a:solidFill>
+                <a:uFill>
+                  <a:solidFill>
+                    <a:srgbClr val="FFFFFF"/>
+                  </a:solidFill>
+                </a:uFill>
+                <a:latin typeface="Calibri"/>
+              </a:rPr>
+              <a:t>Remaining 5 weeks to devise a (hopefully) better policy and compare its efficiency.</a:t>
+            </a:r>
+          </a:p>
+          <a:p>
+            <a:pPr marL="228600" indent="-228240">
+              <a:lnSpc>
+                <a:spcPct val="90000"/>
+              </a:lnSpc>
+              <a:buClr>
+                <a:srgbClr val="000000"/>
+              </a:buClr>
+              <a:buFont typeface="Arial"/>
+              <a:buChar char="•"/>
+            </a:pPr>
+            <a:endParaRPr lang="en-US" sz="2800" spc="-1" dirty="0">
               <a:solidFill>
                 <a:srgbClr val="000000"/>
               </a:solidFill>
@@ -5726,91 +5770,6 @@
       </p:grpSpPr>
       <p:sp>
         <p:nvSpPr>
-          <p:cNvPr id="4" name="Text Placeholder 3">
-            <a:extLst>
-              <a:ext uri="{FF2B5EF4-FFF2-40B4-BE49-F238E27FC236}">
-                <a16:creationId xmlns:a16="http://schemas.microsoft.com/office/drawing/2014/main" id="{7EAA1080-AE5E-4D94-9CBE-E3A2F19DA30C}"/>
-              </a:ext>
-            </a:extLst>
-          </p:cNvPr>
-          <p:cNvSpPr>
-            <a:spLocks noGrp="1"/>
-          </p:cNvSpPr>
-          <p:nvPr>
-            <p:ph type="body"/>
-          </p:nvPr>
-        </p:nvSpPr>
-        <p:spPr/>
-        <p:txBody>
-          <a:bodyPr/>
-          <a:lstStyle/>
-          <a:p>
-            <a:r>
-              <a:rPr lang="en-US" dirty="0"/>
-              <a:t>Finished converting </a:t>
-            </a:r>
-            <a:r>
-              <a:rPr lang="en-US" dirty="0" err="1"/>
-              <a:t>Matlab</a:t>
-            </a:r>
-            <a:r>
-              <a:rPr lang="en-US" dirty="0"/>
-              <a:t> code to Python</a:t>
-            </a:r>
-          </a:p>
-          <a:p>
-            <a:pPr lvl="1"/>
-            <a:r>
-              <a:rPr lang="en-US" dirty="0"/>
-              <a:t>Traffic generation, collision detection, </a:t>
-            </a:r>
-            <a:r>
-              <a:rPr lang="en-US"/>
-              <a:t>car management</a:t>
-            </a:r>
-            <a:endParaRPr lang="en-US" dirty="0"/>
-          </a:p>
-          <a:p>
-            <a:pPr lvl="1"/>
-            <a:r>
-              <a:rPr lang="en-US" dirty="0"/>
-              <a:t>Challenges: Code was not robust and needed to be redesigned more than we expected</a:t>
-            </a:r>
-          </a:p>
-          <a:p>
-            <a:r>
-              <a:rPr lang="en-US" dirty="0"/>
-              <a:t>Developed simple visualization for testing</a:t>
-            </a:r>
-          </a:p>
-          <a:p>
-            <a:r>
-              <a:rPr lang="en-US" dirty="0"/>
-              <a:t>Implemented </a:t>
-            </a:r>
-            <a:r>
-              <a:rPr lang="en-US" dirty="0" err="1"/>
-              <a:t>Dresner</a:t>
-            </a:r>
-            <a:r>
-              <a:rPr lang="en-US" dirty="0"/>
-              <a:t>/Stone and stop sign policies.</a:t>
-            </a:r>
-          </a:p>
-          <a:p>
-            <a:pPr lvl="1"/>
-            <a:r>
-              <a:rPr lang="en-US" dirty="0"/>
-              <a:t>Challenges: More advanced traffic light policy has taken more time to formulate</a:t>
-            </a:r>
-          </a:p>
-          <a:p>
-            <a:endParaRPr lang="en-US" dirty="0"/>
-          </a:p>
-        </p:txBody>
-      </p:sp>
-      <p:sp>
-        <p:nvSpPr>
           <p:cNvPr id="2" name="Title 1">
             <a:extLst>
               <a:ext uri="{FF2B5EF4-FFF2-40B4-BE49-F238E27FC236}">
@@ -5825,14 +5784,173 @@
             <p:ph type="title"/>
           </p:nvPr>
         </p:nvSpPr>
-        <p:spPr/>
+        <p:spPr>
+          <a:xfrm>
+            <a:off x="516654" y="0"/>
+            <a:ext cx="10515240" cy="1325160"/>
+          </a:xfrm>
+        </p:spPr>
         <p:txBody>
           <a:bodyPr/>
           <a:lstStyle/>
           <a:p>
             <a:r>
-              <a:rPr lang="en-US" dirty="0"/>
+              <a:rPr lang="en-US" dirty="0">
+                <a:latin typeface="Andalus" panose="02020603050405020304" pitchFamily="18" charset="-78"/>
+                <a:cs typeface="Andalus" panose="02020603050405020304" pitchFamily="18" charset="-78"/>
+              </a:rPr>
               <a:t>Progress &amp; Challenges</a:t>
+            </a:r>
+          </a:p>
+        </p:txBody>
+      </p:sp>
+      <p:sp>
+        <p:nvSpPr>
+          <p:cNvPr id="7" name="TextBox 6">
+            <a:extLst>
+              <a:ext uri="{FF2B5EF4-FFF2-40B4-BE49-F238E27FC236}">
+                <a16:creationId xmlns:a16="http://schemas.microsoft.com/office/drawing/2014/main" id="{3EC5BFA1-7C0B-4A0B-AA96-A027D8EC49CA}"/>
+              </a:ext>
+            </a:extLst>
+          </p:cNvPr>
+          <p:cNvSpPr txBox="1"/>
+          <p:nvPr/>
+        </p:nvSpPr>
+        <p:spPr>
+          <a:xfrm>
+            <a:off x="455694" y="1496957"/>
+            <a:ext cx="10507287" cy="4585871"/>
+          </a:xfrm>
+          <a:prstGeom prst="rect">
+            <a:avLst/>
+          </a:prstGeom>
+          <a:noFill/>
+        </p:spPr>
+        <p:txBody>
+          <a:bodyPr wrap="square" rtlCol="0">
+            <a:spAutoFit/>
+          </a:bodyPr>
+          <a:lstStyle/>
+          <a:p>
+            <a:pPr marL="285750" indent="-285750">
+              <a:buFont typeface="Arial" panose="020B0604020202020204" pitchFamily="34" charset="0"/>
+              <a:buChar char="•"/>
+            </a:pPr>
+            <a:r>
+              <a:rPr lang="en-US" sz="2800" dirty="0">
+                <a:latin typeface="Calibri" panose="020F0502020204030204" pitchFamily="34" charset="0"/>
+                <a:cs typeface="Calibri" panose="020F0502020204030204" pitchFamily="34" charset="0"/>
+              </a:rPr>
+              <a:t>Finished converting MATLAB code to Python</a:t>
+            </a:r>
+          </a:p>
+          <a:p>
+            <a:pPr lvl="2" indent="-457200">
+              <a:buFont typeface="Arial" panose="020B0604020202020204" pitchFamily="34" charset="0"/>
+              <a:buChar char="•"/>
+            </a:pPr>
+            <a:r>
+              <a:rPr lang="en-US" sz="2600" dirty="0">
+                <a:latin typeface="Calibri" panose="020F0502020204030204" pitchFamily="34" charset="0"/>
+                <a:cs typeface="Calibri" panose="020F0502020204030204" pitchFamily="34" charset="0"/>
+              </a:rPr>
+              <a:t>Traffic generation, collision detection, car management</a:t>
+            </a:r>
+          </a:p>
+          <a:p>
+            <a:pPr lvl="2" indent="-457200">
+              <a:buFont typeface="Arial" panose="020B0604020202020204" pitchFamily="34" charset="0"/>
+              <a:buChar char="•"/>
+            </a:pPr>
+            <a:r>
+              <a:rPr lang="en-US" sz="2600" dirty="0">
+                <a:latin typeface="Calibri" panose="020F0502020204030204" pitchFamily="34" charset="0"/>
+                <a:cs typeface="Calibri" panose="020F0502020204030204" pitchFamily="34" charset="0"/>
+              </a:rPr>
+              <a:t>Challenges: Code was not robust and needed to be redesigned more than we expected</a:t>
+            </a:r>
+          </a:p>
+          <a:p>
+            <a:pPr lvl="1" indent="-457200">
+              <a:buFont typeface="Arial" panose="020B0604020202020204" pitchFamily="34" charset="0"/>
+              <a:buChar char="•"/>
+            </a:pPr>
+            <a:r>
+              <a:rPr lang="en-US" sz="2800" dirty="0">
+                <a:latin typeface="Calibri" panose="020F0502020204030204" pitchFamily="34" charset="0"/>
+                <a:cs typeface="Calibri" panose="020F0502020204030204" pitchFamily="34" charset="0"/>
+              </a:rPr>
+              <a:t>Developed simple visualization for testing</a:t>
+            </a:r>
+          </a:p>
+          <a:p>
+            <a:pPr lvl="1" indent="-457200">
+              <a:buFont typeface="Arial" panose="020B0604020202020204" pitchFamily="34" charset="0"/>
+              <a:buChar char="•"/>
+            </a:pPr>
+            <a:r>
+              <a:rPr lang="en-US" sz="2800" dirty="0">
+                <a:latin typeface="Calibri" panose="020F0502020204030204" pitchFamily="34" charset="0"/>
+                <a:cs typeface="Calibri" panose="020F0502020204030204" pitchFamily="34" charset="0"/>
+              </a:rPr>
+              <a:t>Implemented </a:t>
+            </a:r>
+            <a:r>
+              <a:rPr lang="en-US" sz="2800" dirty="0" err="1">
+                <a:latin typeface="Calibri" panose="020F0502020204030204" pitchFamily="34" charset="0"/>
+                <a:cs typeface="Calibri" panose="020F0502020204030204" pitchFamily="34" charset="0"/>
+              </a:rPr>
+              <a:t>Dresner</a:t>
+            </a:r>
+            <a:r>
+              <a:rPr lang="en-US" sz="2800" dirty="0">
+                <a:latin typeface="Calibri" panose="020F0502020204030204" pitchFamily="34" charset="0"/>
+                <a:cs typeface="Calibri" panose="020F0502020204030204" pitchFamily="34" charset="0"/>
+              </a:rPr>
+              <a:t>/Stone and stop sign policies.</a:t>
+            </a:r>
+          </a:p>
+          <a:p>
+            <a:pPr lvl="2" indent="-457200">
+              <a:buFont typeface="Arial" panose="020B0604020202020204" pitchFamily="34" charset="0"/>
+              <a:buChar char="•"/>
+            </a:pPr>
+            <a:r>
+              <a:rPr lang="en-US" sz="2600" dirty="0">
+                <a:latin typeface="Calibri" panose="020F0502020204030204" pitchFamily="34" charset="0"/>
+                <a:cs typeface="Calibri" panose="020F0502020204030204" pitchFamily="34" charset="0"/>
+              </a:rPr>
+              <a:t>Challenges: More advanced traffic light policy has taken more time to formulate</a:t>
+            </a:r>
+            <a:endParaRPr lang="en-US" sz="2800" dirty="0">
+              <a:latin typeface="Calibri" panose="020F0502020204030204" pitchFamily="34" charset="0"/>
+              <a:cs typeface="Calibri" panose="020F0502020204030204" pitchFamily="34" charset="0"/>
+            </a:endParaRPr>
+          </a:p>
+          <a:p>
+            <a:pPr lvl="1" indent="-457200">
+              <a:buFont typeface="Arial" panose="020B0604020202020204" pitchFamily="34" charset="0"/>
+              <a:buChar char="•"/>
+            </a:pPr>
+            <a:r>
+              <a:rPr lang="en-US" sz="2600" dirty="0">
+                <a:latin typeface="Calibri" panose="020F0502020204030204" pitchFamily="34" charset="0"/>
+                <a:cs typeface="Calibri" panose="020F0502020204030204" pitchFamily="34" charset="0"/>
+              </a:rPr>
+              <a:t>Adaptive Cruise Controller</a:t>
+            </a:r>
+          </a:p>
+          <a:p>
+            <a:pPr lvl="2" indent="-457200">
+              <a:buFont typeface="Arial" panose="020B0604020202020204" pitchFamily="34" charset="0"/>
+              <a:buChar char="•"/>
+            </a:pPr>
+            <a:r>
+              <a:rPr lang="en-US" sz="2600" dirty="0">
+                <a:latin typeface="Calibri" panose="020F0502020204030204" pitchFamily="34" charset="0"/>
+                <a:cs typeface="Calibri" panose="020F0502020204030204" pitchFamily="34" charset="0"/>
+              </a:rPr>
+              <a:t>Challenges: A more advanced ACC is needed to guarantee safety requirements </a:t>
             </a:r>
           </a:p>
         </p:txBody>
@@ -5840,7 +5958,7 @@
     </p:spTree>
     <p:extLst>
       <p:ext uri="{BB962C8B-B14F-4D97-AF65-F5344CB8AC3E}">
-        <p14:creationId xmlns:p14="http://schemas.microsoft.com/office/powerpoint/2010/main" val="1552349122"/>
+        <p14:creationId xmlns:p14="http://schemas.microsoft.com/office/powerpoint/2010/main" val="706942294"/>
       </p:ext>
     </p:extLst>
   </p:cSld>
@@ -5883,13 +6001,21 @@
             <p:ph type="title"/>
           </p:nvPr>
         </p:nvSpPr>
-        <p:spPr/>
+        <p:spPr>
+          <a:xfrm>
+            <a:off x="522197" y="0"/>
+            <a:ext cx="10515240" cy="1325160"/>
+          </a:xfrm>
+        </p:spPr>
         <p:txBody>
           <a:bodyPr/>
           <a:lstStyle/>
           <a:p>
             <a:r>
-              <a:rPr lang="en-US" dirty="0"/>
+              <a:rPr lang="en-US" dirty="0">
+                <a:latin typeface="Andalus" panose="02020603050405020304" pitchFamily="18" charset="-78"/>
+                <a:cs typeface="Andalus" panose="02020603050405020304" pitchFamily="18" charset="-78"/>
+              </a:rPr>
               <a:t>Changes &amp; Measures of Success</a:t>
             </a:r>
           </a:p>
@@ -5897,34 +6023,38 @@
       </p:sp>
       <p:sp>
         <p:nvSpPr>
-          <p:cNvPr id="3" name="Subtitle 2">
+          <p:cNvPr id="7" name="TextBox 6">
             <a:extLst>
               <a:ext uri="{FF2B5EF4-FFF2-40B4-BE49-F238E27FC236}">
-                <a16:creationId xmlns:a16="http://schemas.microsoft.com/office/drawing/2014/main" id="{EDF9B920-C9B6-4342-82B5-700AE311E973}"/>
+                <a16:creationId xmlns:a16="http://schemas.microsoft.com/office/drawing/2014/main" id="{1AFD2A46-58D4-4C79-A3FC-CE3053E803AD}"/>
               </a:ext>
             </a:extLst>
           </p:cNvPr>
-          <p:cNvSpPr>
-            <a:spLocks noGrp="1"/>
-          </p:cNvSpPr>
-          <p:nvPr>
-            <p:ph type="subTitle"/>
-          </p:nvPr>
-        </p:nvSpPr>
-        <p:spPr/>
-        <p:txBody>
-          <a:bodyPr/>
-          <a:lstStyle/>
-          <a:p>
-            <a:pPr indent="-228240">
-              <a:buClr>
-                <a:srgbClr val="000000"/>
-              </a:buClr>
-              <a:buFont typeface="Arial"/>
+          <p:cNvSpPr txBox="1"/>
+          <p:nvPr/>
+        </p:nvSpPr>
+        <p:spPr>
+          <a:xfrm>
+            <a:off x="598217" y="1641045"/>
+            <a:ext cx="10363200" cy="4924425"/>
+          </a:xfrm>
+          <a:prstGeom prst="rect">
+            <a:avLst/>
+          </a:prstGeom>
+          <a:noFill/>
+        </p:spPr>
+        <p:txBody>
+          <a:bodyPr wrap="square" rtlCol="0">
+            <a:spAutoFit/>
+          </a:bodyPr>
+          <a:lstStyle/>
+          <a:p>
+            <a:pPr marL="285750" indent="-285750">
+              <a:buFont typeface="Arial" panose="020B0604020202020204" pitchFamily="34" charset="0"/>
               <a:buChar char="•"/>
             </a:pPr>
             <a:r>
-              <a:rPr lang="en-US" spc="-1" dirty="0">
+              <a:rPr lang="en-US" sz="2800" spc="-1" dirty="0">
                 <a:solidFill>
                   <a:srgbClr val="000000"/>
                 </a:solidFill>
@@ -5933,254 +6063,144 @@
                     <a:srgbClr val="FFFFFF"/>
                   </a:solidFill>
                 </a:uFill>
-                <a:latin typeface="Calibri"/>
+                <a:latin typeface="Calibri" panose="020F0502020204030204" pitchFamily="34" charset="0"/>
+                <a:cs typeface="Calibri" panose="020F0502020204030204" pitchFamily="34" charset="0"/>
               </a:rPr>
-              <a:t>Develop our own policy for granting reservation requests</a:t>
+              <a:t>Porting the system was not as clean-cut as predicted</a:t>
             </a:r>
           </a:p>
           <a:p>
-            <a:pPr indent="-228240">
-              <a:buClr>
-                <a:srgbClr val="000000"/>
-              </a:buClr>
-              <a:buFont typeface="Arial"/>
+            <a:pPr marL="285750" indent="-285750">
+              <a:buFont typeface="Arial" panose="020B0604020202020204" pitchFamily="34" charset="0"/>
               <a:buChar char="•"/>
             </a:pPr>
             <a:r>
-              <a:rPr lang="en-US" spc="-1" dirty="0">
-                <a:solidFill>
-                  <a:srgbClr val="000000"/>
-                </a:solidFill>
-                <a:uFill>
-                  <a:solidFill>
-                    <a:srgbClr val="FFFFFF"/>
-                  </a:solidFill>
-                </a:uFill>
-                <a:latin typeface="Calibri"/>
+              <a:rPr lang="en-US" sz="2800" dirty="0">
+                <a:latin typeface="Calibri" panose="020F0502020204030204" pitchFamily="34" charset="0"/>
+                <a:cs typeface="Calibri" panose="020F0502020204030204" pitchFamily="34" charset="0"/>
               </a:rPr>
-              <a:t>Our system should:</a:t>
+              <a:t>Developing a stress testing traffic generation technique</a:t>
             </a:r>
           </a:p>
           <a:p>
-            <a:pPr lvl="1" indent="-228240">
-              <a:lnSpc>
-                <a:spcPct val="100000"/>
-              </a:lnSpc>
-              <a:buClr>
-                <a:srgbClr val="000000"/>
-              </a:buClr>
-              <a:buFont typeface="Arial"/>
+            <a:pPr marL="285750" indent="-285750">
+              <a:buFont typeface="Arial" panose="020B0604020202020204" pitchFamily="34" charset="0"/>
               <a:buChar char="•"/>
             </a:pPr>
             <a:r>
-              <a:rPr lang="en-US" spc="-1" dirty="0">
-                <a:solidFill>
-                  <a:srgbClr val="000000"/>
-                </a:solidFill>
-                <a:uFill>
-                  <a:solidFill>
-                    <a:srgbClr val="FFFFFF"/>
-                  </a:solidFill>
-                </a:uFill>
-                <a:latin typeface="Calibri"/>
+              <a:rPr lang="en-US" sz="2800" dirty="0">
+                <a:latin typeface="Calibri" panose="020F0502020204030204" pitchFamily="34" charset="0"/>
+                <a:cs typeface="Calibri" panose="020F0502020204030204" pitchFamily="34" charset="0"/>
               </a:rPr>
-              <a:t>Have no collisions</a:t>
+              <a:t>Pushing back about a week on milestones</a:t>
             </a:r>
-            <a:endParaRPr lang="en-US" sz="2000" spc="-1" dirty="0">
-              <a:solidFill>
-                <a:srgbClr val="000000"/>
-              </a:solidFill>
-              <a:uFill>
-                <a:solidFill>
-                  <a:srgbClr val="FFFFFF"/>
-                </a:solidFill>
-              </a:uFill>
-              <a:latin typeface="Calibri"/>
-            </a:endParaRPr>
-          </a:p>
-          <a:p>
-            <a:pPr lvl="1" indent="-228240">
-              <a:lnSpc>
-                <a:spcPct val="100000"/>
-              </a:lnSpc>
-              <a:buClr>
-                <a:srgbClr val="000000"/>
-              </a:buClr>
-              <a:buFont typeface="Arial"/>
+          </a:p>
+          <a:p>
+            <a:pPr marL="285750" indent="-285750">
+              <a:buFont typeface="Arial" panose="020B0604020202020204" pitchFamily="34" charset="0"/>
               <a:buChar char="•"/>
             </a:pPr>
             <a:r>
-              <a:rPr lang="en-US" spc="-1" dirty="0">
-                <a:solidFill>
-                  <a:srgbClr val="000000"/>
-                </a:solidFill>
-                <a:uFill>
-                  <a:solidFill>
-                    <a:srgbClr val="FFFFFF"/>
-                  </a:solidFill>
-                </a:uFill>
-                <a:latin typeface="Calibri"/>
+              <a:rPr lang="en-US" sz="2800" dirty="0">
+                <a:latin typeface="Calibri" panose="020F0502020204030204" pitchFamily="34" charset="0"/>
+                <a:cs typeface="Calibri" panose="020F0502020204030204" pitchFamily="34" charset="0"/>
               </a:rPr>
-              <a:t>Decrease the average delay of vehicles passing through the intersection</a:t>
+              <a:t>When would the project be successful?</a:t>
             </a:r>
-            <a:endParaRPr lang="en-US" sz="2000" spc="-1" dirty="0">
-              <a:solidFill>
-                <a:srgbClr val="000000"/>
-              </a:solidFill>
-              <a:uFill>
-                <a:solidFill>
-                  <a:srgbClr val="FFFFFF"/>
-                </a:solidFill>
-              </a:uFill>
-              <a:latin typeface="Calibri"/>
-            </a:endParaRPr>
-          </a:p>
-          <a:p>
-            <a:pPr indent="-228240">
-              <a:buClr>
-                <a:srgbClr val="000000"/>
-              </a:buClr>
-              <a:buFont typeface="Arial"/>
+          </a:p>
+          <a:p>
+            <a:pPr marL="742950" lvl="1" indent="-285750">
+              <a:buFont typeface="Arial" panose="020B0604020202020204" pitchFamily="34" charset="0"/>
               <a:buChar char="•"/>
             </a:pPr>
             <a:r>
-              <a:rPr lang="en-US" spc="-1" dirty="0">
-                <a:solidFill>
-                  <a:srgbClr val="000000"/>
-                </a:solidFill>
-                <a:uFill>
-                  <a:solidFill>
-                    <a:srgbClr val="FFFFFF"/>
-                  </a:solidFill>
-                </a:uFill>
-                <a:latin typeface="Calibri"/>
+              <a:rPr lang="en-US" sz="2600" dirty="0">
+                <a:latin typeface="Calibri" panose="020F0502020204030204" pitchFamily="34" charset="0"/>
+                <a:cs typeface="Calibri" panose="020F0502020204030204" pitchFamily="34" charset="0"/>
               </a:rPr>
-              <a:t>Compare our policy with other traffic control policies:</a:t>
+              <a:t>Comparing efficiency (delay) between different modes</a:t>
             </a:r>
           </a:p>
           <a:p>
-            <a:pPr lvl="1" indent="-228240">
-              <a:lnSpc>
-                <a:spcPct val="100000"/>
-              </a:lnSpc>
-              <a:buClr>
-                <a:srgbClr val="000000"/>
-              </a:buClr>
-              <a:buFont typeface="Arial"/>
+            <a:pPr marL="1200150" lvl="2" indent="-285750">
+              <a:buFont typeface="Arial" panose="020B0604020202020204" pitchFamily="34" charset="0"/>
               <a:buChar char="•"/>
             </a:pPr>
             <a:r>
-              <a:rPr lang="en-US" spc="-1" dirty="0">
-                <a:solidFill>
-                  <a:srgbClr val="000000"/>
-                </a:solidFill>
-                <a:uFill>
-                  <a:solidFill>
-                    <a:srgbClr val="FFFFFF"/>
-                  </a:solidFill>
-                </a:uFill>
-                <a:latin typeface="Calibri"/>
+              <a:rPr lang="en-US" sz="2400" dirty="0">
+                <a:latin typeface="Calibri" panose="020F0502020204030204" pitchFamily="34" charset="0"/>
+                <a:cs typeface="Calibri" panose="020F0502020204030204" pitchFamily="34" charset="0"/>
               </a:rPr>
-              <a:t>Traditional traffic lights</a:t>
+              <a:t>Traffic Lights</a:t>
             </a:r>
-            <a:endParaRPr lang="en-US" sz="2000" spc="-1" dirty="0">
-              <a:solidFill>
-                <a:srgbClr val="000000"/>
-              </a:solidFill>
-              <a:uFill>
-                <a:solidFill>
-                  <a:srgbClr val="FFFFFF"/>
-                </a:solidFill>
-              </a:uFill>
-              <a:latin typeface="Calibri"/>
-            </a:endParaRPr>
-          </a:p>
-          <a:p>
-            <a:pPr lvl="1" indent="-228240">
-              <a:lnSpc>
-                <a:spcPct val="100000"/>
-              </a:lnSpc>
-              <a:buClr>
-                <a:srgbClr val="000000"/>
-              </a:buClr>
-              <a:buFont typeface="Arial"/>
+          </a:p>
+          <a:p>
+            <a:pPr marL="1200150" lvl="2" indent="-285750">
+              <a:buFont typeface="Arial" panose="020B0604020202020204" pitchFamily="34" charset="0"/>
               <a:buChar char="•"/>
             </a:pPr>
             <a:r>
-              <a:rPr lang="en-US" spc="-1" dirty="0">
-                <a:solidFill>
-                  <a:srgbClr val="000000"/>
-                </a:solidFill>
-                <a:uFill>
-                  <a:solidFill>
-                    <a:srgbClr val="FFFFFF"/>
-                  </a:solidFill>
-                </a:uFill>
-                <a:latin typeface="Calibri"/>
+              <a:rPr lang="en-US" sz="2400" dirty="0">
+                <a:latin typeface="Calibri" panose="020F0502020204030204" pitchFamily="34" charset="0"/>
+                <a:cs typeface="Calibri" panose="020F0502020204030204" pitchFamily="34" charset="0"/>
               </a:rPr>
-              <a:t>Stop signs</a:t>
+              <a:t>Stops Signs</a:t>
             </a:r>
-            <a:endParaRPr lang="en-US" sz="2000" spc="-1" dirty="0">
-              <a:solidFill>
-                <a:srgbClr val="000000"/>
-              </a:solidFill>
-              <a:uFill>
-                <a:solidFill>
-                  <a:srgbClr val="FFFFFF"/>
-                </a:solidFill>
-              </a:uFill>
-              <a:latin typeface="Calibri"/>
-            </a:endParaRPr>
-          </a:p>
-          <a:p>
-            <a:pPr lvl="1" indent="-228240">
-              <a:lnSpc>
-                <a:spcPct val="100000"/>
-              </a:lnSpc>
-              <a:buClr>
-                <a:srgbClr val="000000"/>
-              </a:buClr>
-              <a:buFont typeface="Arial"/>
+          </a:p>
+          <a:p>
+            <a:pPr marL="1200150" lvl="2" indent="-285750">
+              <a:buFont typeface="Arial" panose="020B0604020202020204" pitchFamily="34" charset="0"/>
               <a:buChar char="•"/>
             </a:pPr>
             <a:r>
-              <a:rPr lang="en-US" spc="-1" dirty="0" err="1">
-                <a:solidFill>
-                  <a:srgbClr val="000000"/>
-                </a:solidFill>
-                <a:uFill>
-                  <a:solidFill>
-                    <a:srgbClr val="FFFFFF"/>
-                  </a:solidFill>
-                </a:uFill>
-                <a:latin typeface="Calibri"/>
+              <a:rPr lang="en-US" sz="2400" dirty="0" err="1">
+                <a:latin typeface="Calibri" panose="020F0502020204030204" pitchFamily="34" charset="0"/>
+                <a:cs typeface="Calibri" panose="020F0502020204030204" pitchFamily="34" charset="0"/>
               </a:rPr>
               <a:t>Dresner</a:t>
             </a:r>
             <a:r>
-              <a:rPr lang="en-US" spc="-1" dirty="0">
-                <a:solidFill>
-                  <a:srgbClr val="000000"/>
-                </a:solidFill>
-                <a:uFill>
-                  <a:solidFill>
-                    <a:srgbClr val="FFFFFF"/>
-                  </a:solidFill>
-                </a:uFill>
-                <a:latin typeface="Calibri"/>
+              <a:rPr lang="en-US" sz="2400" dirty="0">
+                <a:latin typeface="Calibri" panose="020F0502020204030204" pitchFamily="34" charset="0"/>
+                <a:cs typeface="Calibri" panose="020F0502020204030204" pitchFamily="34" charset="0"/>
               </a:rPr>
-              <a:t> and Stone policy</a:t>
+              <a:t> &amp; Stone’s policy</a:t>
             </a:r>
-            <a:endParaRPr lang="en-US" sz="2000" spc="-1" dirty="0">
-              <a:solidFill>
-                <a:srgbClr val="000000"/>
-              </a:solidFill>
-              <a:uFill>
-                <a:solidFill>
-                  <a:srgbClr val="FFFFFF"/>
-                </a:solidFill>
-              </a:uFill>
-              <a:latin typeface="Calibri"/>
+          </a:p>
+          <a:p>
+            <a:pPr marL="1200150" lvl="2" indent="-285750">
+              <a:buFont typeface="Arial" panose="020B0604020202020204" pitchFamily="34" charset="0"/>
+              <a:buChar char="•"/>
+            </a:pPr>
+            <a:r>
+              <a:rPr lang="en-US" sz="2400" dirty="0">
+                <a:latin typeface="Calibri" panose="020F0502020204030204" pitchFamily="34" charset="0"/>
+                <a:cs typeface="Calibri" panose="020F0502020204030204" pitchFamily="34" charset="0"/>
+              </a:rPr>
+              <a:t>Our policy</a:t>
+            </a:r>
+          </a:p>
+          <a:p>
+            <a:pPr marL="742950" lvl="1" indent="-285750">
+              <a:buFont typeface="Arial" panose="020B0604020202020204" pitchFamily="34" charset="0"/>
+              <a:buChar char="•"/>
+            </a:pPr>
+            <a:r>
+              <a:rPr lang="en-US" sz="2600" dirty="0">
+                <a:latin typeface="Calibri" panose="020F0502020204030204" pitchFamily="34" charset="0"/>
+                <a:cs typeface="Calibri" panose="020F0502020204030204" pitchFamily="34" charset="0"/>
+              </a:rPr>
+              <a:t>Our policy should at least provide shorter delays than current Traffic Light and Stop sign systems</a:t>
+            </a:r>
+          </a:p>
+          <a:p>
+            <a:pPr marL="285750" indent="-285750">
+              <a:buFont typeface="Arial" panose="020B0604020202020204" pitchFamily="34" charset="0"/>
+              <a:buChar char="•"/>
+            </a:pPr>
+            <a:endParaRPr lang="en-US" sz="2800" dirty="0">
+              <a:latin typeface="Calibri" panose="020F0502020204030204" pitchFamily="34" charset="0"/>
+              <a:cs typeface="Calibri" panose="020F0502020204030204" pitchFamily="34" charset="0"/>
             </a:endParaRPr>
           </a:p>
         </p:txBody>
@@ -6201,14 +6221,6 @@
 <file path=ppt/slides/slide5.xml><?xml version="1.0" encoding="utf-8"?>
 <p:sld xmlns:a="http://schemas.openxmlformats.org/drawingml/2006/main" xmlns:r="http://schemas.openxmlformats.org/officeDocument/2006/relationships" xmlns:p="http://schemas.openxmlformats.org/presentationml/2006/main">
   <p:cSld>
-    <p:bg>
-      <p:bgPr>
-        <a:solidFill>
-          <a:schemeClr val="bg1"/>
-        </a:solidFill>
-        <a:effectLst/>
-      </p:bgPr>
-    </p:bg>
     <p:spTree>
       <p:nvGrpSpPr>
         <p:cNvPr id="1" name=""/>
